--- a/ME7120_FEA/Project 1/figures/OverLaid Pics.pptx
+++ b/ME7120_FEA/Project 1/figures/OverLaid Pics.pptx
@@ -13,6 +13,14 @@
     <p:sldId id="261" r:id="rId7"/>
     <p:sldId id="262" r:id="rId8"/>
     <p:sldId id="263" r:id="rId9"/>
+    <p:sldId id="264" r:id="rId10"/>
+    <p:sldId id="265" r:id="rId11"/>
+    <p:sldId id="266" r:id="rId12"/>
+    <p:sldId id="267" r:id="rId13"/>
+    <p:sldId id="268" r:id="rId14"/>
+    <p:sldId id="269" r:id="rId15"/>
+    <p:sldId id="270" r:id="rId16"/>
+    <p:sldId id="271" r:id="rId17"/>
   </p:sldIdLst>
   <p:sldSz cx="12192000" cy="6858000"/>
   <p:notesSz cx="6858000" cy="9144000"/>
@@ -250,7 +258,7 @@
           <a:p>
             <a:fld id="{62BF5498-E3D9-4AF9-BDAE-39E2ECA81942}" type="datetimeFigureOut">
               <a:rPr lang="en-US" smtClean="0"/>
-              <a:t>6/21/2016</a:t>
+              <a:t>6/22/2016</a:t>
             </a:fld>
             <a:endParaRPr lang="en-US"/>
           </a:p>
@@ -420,7 +428,7 @@
           <a:p>
             <a:fld id="{62BF5498-E3D9-4AF9-BDAE-39E2ECA81942}" type="datetimeFigureOut">
               <a:rPr lang="en-US" smtClean="0"/>
-              <a:t>6/21/2016</a:t>
+              <a:t>6/22/2016</a:t>
             </a:fld>
             <a:endParaRPr lang="en-US"/>
           </a:p>
@@ -600,7 +608,7 @@
           <a:p>
             <a:fld id="{62BF5498-E3D9-4AF9-BDAE-39E2ECA81942}" type="datetimeFigureOut">
               <a:rPr lang="en-US" smtClean="0"/>
-              <a:t>6/21/2016</a:t>
+              <a:t>6/22/2016</a:t>
             </a:fld>
             <a:endParaRPr lang="en-US"/>
           </a:p>
@@ -770,7 +778,7 @@
           <a:p>
             <a:fld id="{62BF5498-E3D9-4AF9-BDAE-39E2ECA81942}" type="datetimeFigureOut">
               <a:rPr lang="en-US" smtClean="0"/>
-              <a:t>6/21/2016</a:t>
+              <a:t>6/22/2016</a:t>
             </a:fld>
             <a:endParaRPr lang="en-US"/>
           </a:p>
@@ -1016,7 +1024,7 @@
           <a:p>
             <a:fld id="{62BF5498-E3D9-4AF9-BDAE-39E2ECA81942}" type="datetimeFigureOut">
               <a:rPr lang="en-US" smtClean="0"/>
-              <a:t>6/21/2016</a:t>
+              <a:t>6/22/2016</a:t>
             </a:fld>
             <a:endParaRPr lang="en-US"/>
           </a:p>
@@ -1248,7 +1256,7 @@
           <a:p>
             <a:fld id="{62BF5498-E3D9-4AF9-BDAE-39E2ECA81942}" type="datetimeFigureOut">
               <a:rPr lang="en-US" smtClean="0"/>
-              <a:t>6/21/2016</a:t>
+              <a:t>6/22/2016</a:t>
             </a:fld>
             <a:endParaRPr lang="en-US"/>
           </a:p>
@@ -1615,7 +1623,7 @@
           <a:p>
             <a:fld id="{62BF5498-E3D9-4AF9-BDAE-39E2ECA81942}" type="datetimeFigureOut">
               <a:rPr lang="en-US" smtClean="0"/>
-              <a:t>6/21/2016</a:t>
+              <a:t>6/22/2016</a:t>
             </a:fld>
             <a:endParaRPr lang="en-US"/>
           </a:p>
@@ -1733,7 +1741,7 @@
           <a:p>
             <a:fld id="{62BF5498-E3D9-4AF9-BDAE-39E2ECA81942}" type="datetimeFigureOut">
               <a:rPr lang="en-US" smtClean="0"/>
-              <a:t>6/21/2016</a:t>
+              <a:t>6/22/2016</a:t>
             </a:fld>
             <a:endParaRPr lang="en-US"/>
           </a:p>
@@ -1828,7 +1836,7 @@
           <a:p>
             <a:fld id="{62BF5498-E3D9-4AF9-BDAE-39E2ECA81942}" type="datetimeFigureOut">
               <a:rPr lang="en-US" smtClean="0"/>
-              <a:t>6/21/2016</a:t>
+              <a:t>6/22/2016</a:t>
             </a:fld>
             <a:endParaRPr lang="en-US"/>
           </a:p>
@@ -2105,7 +2113,7 @@
           <a:p>
             <a:fld id="{62BF5498-E3D9-4AF9-BDAE-39E2ECA81942}" type="datetimeFigureOut">
               <a:rPr lang="en-US" smtClean="0"/>
-              <a:t>6/21/2016</a:t>
+              <a:t>6/22/2016</a:t>
             </a:fld>
             <a:endParaRPr lang="en-US"/>
           </a:p>
@@ -2358,7 +2366,7 @@
           <a:p>
             <a:fld id="{62BF5498-E3D9-4AF9-BDAE-39E2ECA81942}" type="datetimeFigureOut">
               <a:rPr lang="en-US" smtClean="0"/>
-              <a:t>6/21/2016</a:t>
+              <a:t>6/22/2016</a:t>
             </a:fld>
             <a:endParaRPr lang="en-US"/>
           </a:p>
@@ -2571,7 +2579,7 @@
           <a:p>
             <a:fld id="{62BF5498-E3D9-4AF9-BDAE-39E2ECA81942}" type="datetimeFigureOut">
               <a:rPr lang="en-US" smtClean="0"/>
-              <a:t>6/21/2016</a:t>
+              <a:t>6/22/2016</a:t>
             </a:fld>
             <a:endParaRPr lang="en-US"/>
           </a:p>
@@ -3048,6 +3056,867 @@
 </p:sld>
 </file>
 
+<file path=ppt/slides/slide10.xml><?xml version="1.0" encoding="utf-8"?>
+<p:sld xmlns:a="http://schemas.openxmlformats.org/drawingml/2006/main" xmlns:r="http://schemas.openxmlformats.org/officeDocument/2006/relationships" xmlns:p="http://schemas.openxmlformats.org/presentationml/2006/main">
+  <p:cSld>
+    <p:spTree>
+      <p:nvGrpSpPr>
+        <p:cNvPr id="1" name=""/>
+        <p:cNvGrpSpPr/>
+        <p:nvPr/>
+      </p:nvGrpSpPr>
+      <p:grpSpPr>
+        <a:xfrm>
+          <a:off x="0" y="0"/>
+          <a:ext cx="0" cy="0"/>
+          <a:chOff x="0" y="0"/>
+          <a:chExt cx="0" cy="0"/>
+        </a:xfrm>
+      </p:grpSpPr>
+      <p:pic>
+        <p:nvPicPr>
+          <p:cNvPr id="4" name="Picture 3"/>
+          <p:cNvPicPr>
+            <a:picLocks noChangeAspect="1"/>
+          </p:cNvPicPr>
+          <p:nvPr/>
+        </p:nvPicPr>
+        <p:blipFill>
+          <a:blip r:embed="rId2">
+            <a:extLst>
+              <a:ext uri="{28A0092B-C50C-407E-A947-70E740481C1C}">
+                <a14:useLocalDpi xmlns:a14="http://schemas.microsoft.com/office/drawing/2010/main" val="0"/>
+              </a:ext>
+            </a:extLst>
+          </a:blip>
+          <a:stretch>
+            <a:fillRect/>
+          </a:stretch>
+        </p:blipFill>
+        <p:spPr>
+          <a:xfrm>
+            <a:off x="0" y="189992"/>
+            <a:ext cx="12192000" cy="6478016"/>
+          </a:xfrm>
+          <a:prstGeom prst="rect">
+            <a:avLst/>
+          </a:prstGeom>
+        </p:spPr>
+      </p:pic>
+      <p:grpSp>
+        <p:nvGrpSpPr>
+          <p:cNvPr id="6" name="Group 5"/>
+          <p:cNvGrpSpPr/>
+          <p:nvPr/>
+        </p:nvGrpSpPr>
+        <p:grpSpPr>
+          <a:xfrm>
+            <a:off x="1508442" y="1829117"/>
+            <a:ext cx="9515158" cy="3514725"/>
+            <a:chOff x="1597342" y="825817"/>
+            <a:chExt cx="7762875" cy="3514725"/>
+          </a:xfrm>
+        </p:grpSpPr>
+        <p:pic>
+          <p:nvPicPr>
+            <p:cNvPr id="7" name="Picture 6"/>
+            <p:cNvPicPr>
+              <a:picLocks noChangeAspect="1"/>
+            </p:cNvPicPr>
+            <p:nvPr/>
+          </p:nvPicPr>
+          <p:blipFill>
+            <a:blip r:embed="rId3"/>
+            <a:stretch>
+              <a:fillRect/>
+            </a:stretch>
+          </p:blipFill>
+          <p:spPr>
+            <a:xfrm>
+              <a:off x="1597342" y="825817"/>
+              <a:ext cx="7762875" cy="3514725"/>
+            </a:xfrm>
+            <a:prstGeom prst="rect">
+              <a:avLst/>
+            </a:prstGeom>
+          </p:spPr>
+        </p:pic>
+        <p:pic>
+          <p:nvPicPr>
+            <p:cNvPr id="8" name="Picture 7"/>
+            <p:cNvPicPr>
+              <a:picLocks noChangeAspect="1"/>
+            </p:cNvPicPr>
+            <p:nvPr/>
+          </p:nvPicPr>
+          <p:blipFill>
+            <a:blip r:embed="rId4"/>
+            <a:stretch>
+              <a:fillRect/>
+            </a:stretch>
+          </p:blipFill>
+          <p:spPr>
+            <a:xfrm>
+              <a:off x="1597342" y="825817"/>
+              <a:ext cx="7762875" cy="3514725"/>
+            </a:xfrm>
+            <a:prstGeom prst="rect">
+              <a:avLst/>
+            </a:prstGeom>
+          </p:spPr>
+        </p:pic>
+      </p:grpSp>
+    </p:spTree>
+    <p:extLst>
+      <p:ext uri="{BB962C8B-B14F-4D97-AF65-F5344CB8AC3E}">
+        <p14:creationId xmlns:p14="http://schemas.microsoft.com/office/powerpoint/2010/main" val="2857394191"/>
+      </p:ext>
+    </p:extLst>
+  </p:cSld>
+  <p:clrMapOvr>
+    <a:masterClrMapping/>
+  </p:clrMapOvr>
+</p:sld>
+</file>
+
+<file path=ppt/slides/slide11.xml><?xml version="1.0" encoding="utf-8"?>
+<p:sld xmlns:a="http://schemas.openxmlformats.org/drawingml/2006/main" xmlns:r="http://schemas.openxmlformats.org/officeDocument/2006/relationships" xmlns:p="http://schemas.openxmlformats.org/presentationml/2006/main">
+  <p:cSld>
+    <p:spTree>
+      <p:nvGrpSpPr>
+        <p:cNvPr id="1" name=""/>
+        <p:cNvGrpSpPr/>
+        <p:nvPr/>
+      </p:nvGrpSpPr>
+      <p:grpSpPr>
+        <a:xfrm>
+          <a:off x="0" y="0"/>
+          <a:ext cx="0" cy="0"/>
+          <a:chOff x="0" y="0"/>
+          <a:chExt cx="0" cy="0"/>
+        </a:xfrm>
+      </p:grpSpPr>
+      <p:pic>
+        <p:nvPicPr>
+          <p:cNvPr id="5" name="Picture 4"/>
+          <p:cNvPicPr>
+            <a:picLocks noChangeAspect="1"/>
+          </p:cNvPicPr>
+          <p:nvPr/>
+        </p:nvPicPr>
+        <p:blipFill>
+          <a:blip r:embed="rId2">
+            <a:extLst>
+              <a:ext uri="{28A0092B-C50C-407E-A947-70E740481C1C}">
+                <a14:useLocalDpi xmlns:a14="http://schemas.microsoft.com/office/drawing/2010/main" val="0"/>
+              </a:ext>
+            </a:extLst>
+          </a:blip>
+          <a:stretch>
+            <a:fillRect/>
+          </a:stretch>
+        </p:blipFill>
+        <p:spPr>
+          <a:xfrm>
+            <a:off x="0" y="189992"/>
+            <a:ext cx="12192000" cy="6478016"/>
+          </a:xfrm>
+          <a:prstGeom prst="rect">
+            <a:avLst/>
+          </a:prstGeom>
+        </p:spPr>
+      </p:pic>
+      <p:grpSp>
+        <p:nvGrpSpPr>
+          <p:cNvPr id="6" name="Group 5"/>
+          <p:cNvGrpSpPr/>
+          <p:nvPr/>
+        </p:nvGrpSpPr>
+        <p:grpSpPr>
+          <a:xfrm flipV="1">
+            <a:off x="1500187" y="1457323"/>
+            <a:ext cx="9672638" cy="3552825"/>
+            <a:chOff x="385762" y="180975"/>
+            <a:chExt cx="7705725" cy="3228975"/>
+          </a:xfrm>
+        </p:grpSpPr>
+        <p:pic>
+          <p:nvPicPr>
+            <p:cNvPr id="7" name="Picture 6"/>
+            <p:cNvPicPr>
+              <a:picLocks noChangeAspect="1"/>
+            </p:cNvPicPr>
+            <p:nvPr/>
+          </p:nvPicPr>
+          <p:blipFill>
+            <a:blip r:embed="rId3"/>
+            <a:stretch>
+              <a:fillRect/>
+            </a:stretch>
+          </p:blipFill>
+          <p:spPr>
+            <a:xfrm>
+              <a:off x="385762" y="180975"/>
+              <a:ext cx="7705725" cy="3228975"/>
+            </a:xfrm>
+            <a:prstGeom prst="rect">
+              <a:avLst/>
+            </a:prstGeom>
+          </p:spPr>
+        </p:pic>
+        <p:pic>
+          <p:nvPicPr>
+            <p:cNvPr id="8" name="Picture 7"/>
+            <p:cNvPicPr>
+              <a:picLocks noChangeAspect="1"/>
+            </p:cNvPicPr>
+            <p:nvPr/>
+          </p:nvPicPr>
+          <p:blipFill>
+            <a:blip r:embed="rId4"/>
+            <a:stretch>
+              <a:fillRect/>
+            </a:stretch>
+          </p:blipFill>
+          <p:spPr>
+            <a:xfrm>
+              <a:off x="385762" y="180975"/>
+              <a:ext cx="7705725" cy="3228975"/>
+            </a:xfrm>
+            <a:prstGeom prst="rect">
+              <a:avLst/>
+            </a:prstGeom>
+          </p:spPr>
+        </p:pic>
+      </p:grpSp>
+    </p:spTree>
+    <p:extLst>
+      <p:ext uri="{BB962C8B-B14F-4D97-AF65-F5344CB8AC3E}">
+        <p14:creationId xmlns:p14="http://schemas.microsoft.com/office/powerpoint/2010/main" val="1727789150"/>
+      </p:ext>
+    </p:extLst>
+  </p:cSld>
+  <p:clrMapOvr>
+    <a:masterClrMapping/>
+  </p:clrMapOvr>
+</p:sld>
+</file>
+
+<file path=ppt/slides/slide12.xml><?xml version="1.0" encoding="utf-8"?>
+<p:sld xmlns:a="http://schemas.openxmlformats.org/drawingml/2006/main" xmlns:r="http://schemas.openxmlformats.org/officeDocument/2006/relationships" xmlns:p="http://schemas.openxmlformats.org/presentationml/2006/main">
+  <p:cSld>
+    <p:spTree>
+      <p:nvGrpSpPr>
+        <p:cNvPr id="1" name=""/>
+        <p:cNvGrpSpPr/>
+        <p:nvPr/>
+      </p:nvGrpSpPr>
+      <p:grpSpPr>
+        <a:xfrm>
+          <a:off x="0" y="0"/>
+          <a:ext cx="0" cy="0"/>
+          <a:chOff x="0" y="0"/>
+          <a:chExt cx="0" cy="0"/>
+        </a:xfrm>
+      </p:grpSpPr>
+      <p:pic>
+        <p:nvPicPr>
+          <p:cNvPr id="5" name="Picture 4"/>
+          <p:cNvPicPr>
+            <a:picLocks noChangeAspect="1"/>
+          </p:cNvPicPr>
+          <p:nvPr/>
+        </p:nvPicPr>
+        <p:blipFill>
+          <a:blip r:embed="rId2">
+            <a:extLst>
+              <a:ext uri="{28A0092B-C50C-407E-A947-70E740481C1C}">
+                <a14:useLocalDpi xmlns:a14="http://schemas.microsoft.com/office/drawing/2010/main" val="0"/>
+              </a:ext>
+            </a:extLst>
+          </a:blip>
+          <a:stretch>
+            <a:fillRect/>
+          </a:stretch>
+        </p:blipFill>
+        <p:spPr>
+          <a:xfrm>
+            <a:off x="0" y="189992"/>
+            <a:ext cx="12192000" cy="6478016"/>
+          </a:xfrm>
+          <a:prstGeom prst="rect">
+            <a:avLst/>
+          </a:prstGeom>
+        </p:spPr>
+      </p:pic>
+      <p:grpSp>
+        <p:nvGrpSpPr>
+          <p:cNvPr id="6" name="Group 5"/>
+          <p:cNvGrpSpPr/>
+          <p:nvPr/>
+        </p:nvGrpSpPr>
+        <p:grpSpPr>
+          <a:xfrm>
+            <a:off x="1485899" y="1371600"/>
+            <a:ext cx="9648826" cy="4029075"/>
+            <a:chOff x="228600" y="119062"/>
+            <a:chExt cx="7715250" cy="3267075"/>
+          </a:xfrm>
+        </p:grpSpPr>
+        <p:pic>
+          <p:nvPicPr>
+            <p:cNvPr id="7" name="Picture 6"/>
+            <p:cNvPicPr>
+              <a:picLocks noChangeAspect="1"/>
+            </p:cNvPicPr>
+            <p:nvPr/>
+          </p:nvPicPr>
+          <p:blipFill>
+            <a:blip r:embed="rId3"/>
+            <a:stretch>
+              <a:fillRect/>
+            </a:stretch>
+          </p:blipFill>
+          <p:spPr>
+            <a:xfrm>
+              <a:off x="228600" y="119062"/>
+              <a:ext cx="7715250" cy="3267075"/>
+            </a:xfrm>
+            <a:prstGeom prst="rect">
+              <a:avLst/>
+            </a:prstGeom>
+          </p:spPr>
+        </p:pic>
+        <p:pic>
+          <p:nvPicPr>
+            <p:cNvPr id="8" name="Picture 7"/>
+            <p:cNvPicPr>
+              <a:picLocks noChangeAspect="1"/>
+            </p:cNvPicPr>
+            <p:nvPr/>
+          </p:nvPicPr>
+          <p:blipFill>
+            <a:blip r:embed="rId4"/>
+            <a:stretch>
+              <a:fillRect/>
+            </a:stretch>
+          </p:blipFill>
+          <p:spPr>
+            <a:xfrm>
+              <a:off x="228600" y="119062"/>
+              <a:ext cx="7715250" cy="3267075"/>
+            </a:xfrm>
+            <a:prstGeom prst="rect">
+              <a:avLst/>
+            </a:prstGeom>
+          </p:spPr>
+        </p:pic>
+      </p:grpSp>
+    </p:spTree>
+    <p:extLst>
+      <p:ext uri="{BB962C8B-B14F-4D97-AF65-F5344CB8AC3E}">
+        <p14:creationId xmlns:p14="http://schemas.microsoft.com/office/powerpoint/2010/main" val="3760250782"/>
+      </p:ext>
+    </p:extLst>
+  </p:cSld>
+  <p:clrMapOvr>
+    <a:masterClrMapping/>
+  </p:clrMapOvr>
+</p:sld>
+</file>
+
+<file path=ppt/slides/slide13.xml><?xml version="1.0" encoding="utf-8"?>
+<p:sld xmlns:a="http://schemas.openxmlformats.org/drawingml/2006/main" xmlns:r="http://schemas.openxmlformats.org/officeDocument/2006/relationships" xmlns:p="http://schemas.openxmlformats.org/presentationml/2006/main">
+  <p:cSld>
+    <p:spTree>
+      <p:nvGrpSpPr>
+        <p:cNvPr id="1" name=""/>
+        <p:cNvGrpSpPr/>
+        <p:nvPr/>
+      </p:nvGrpSpPr>
+      <p:grpSpPr>
+        <a:xfrm>
+          <a:off x="0" y="0"/>
+          <a:ext cx="0" cy="0"/>
+          <a:chOff x="0" y="0"/>
+          <a:chExt cx="0" cy="0"/>
+        </a:xfrm>
+      </p:grpSpPr>
+      <p:pic>
+        <p:nvPicPr>
+          <p:cNvPr id="5" name="Picture 4"/>
+          <p:cNvPicPr>
+            <a:picLocks noChangeAspect="1"/>
+          </p:cNvPicPr>
+          <p:nvPr/>
+        </p:nvPicPr>
+        <p:blipFill>
+          <a:blip r:embed="rId2">
+            <a:extLst>
+              <a:ext uri="{28A0092B-C50C-407E-A947-70E740481C1C}">
+                <a14:useLocalDpi xmlns:a14="http://schemas.microsoft.com/office/drawing/2010/main" val="0"/>
+              </a:ext>
+            </a:extLst>
+          </a:blip>
+          <a:stretch>
+            <a:fillRect/>
+          </a:stretch>
+        </p:blipFill>
+        <p:spPr>
+          <a:xfrm>
+            <a:off x="0" y="189992"/>
+            <a:ext cx="12192000" cy="6478016"/>
+          </a:xfrm>
+          <a:prstGeom prst="rect">
+            <a:avLst/>
+          </a:prstGeom>
+        </p:spPr>
+      </p:pic>
+      <p:grpSp>
+        <p:nvGrpSpPr>
+          <p:cNvPr id="6" name="Group 5"/>
+          <p:cNvGrpSpPr/>
+          <p:nvPr/>
+        </p:nvGrpSpPr>
+        <p:grpSpPr>
+          <a:xfrm>
+            <a:off x="1490662" y="1457325"/>
+            <a:ext cx="9558338" cy="3438525"/>
+            <a:chOff x="757237" y="571500"/>
+            <a:chExt cx="7648575" cy="2800350"/>
+          </a:xfrm>
+        </p:grpSpPr>
+        <p:pic>
+          <p:nvPicPr>
+            <p:cNvPr id="7" name="Picture 6"/>
+            <p:cNvPicPr>
+              <a:picLocks noChangeAspect="1"/>
+            </p:cNvPicPr>
+            <p:nvPr/>
+          </p:nvPicPr>
+          <p:blipFill>
+            <a:blip r:embed="rId3"/>
+            <a:stretch>
+              <a:fillRect/>
+            </a:stretch>
+          </p:blipFill>
+          <p:spPr>
+            <a:xfrm>
+              <a:off x="757237" y="571500"/>
+              <a:ext cx="7648575" cy="2800350"/>
+            </a:xfrm>
+            <a:prstGeom prst="rect">
+              <a:avLst/>
+            </a:prstGeom>
+          </p:spPr>
+        </p:pic>
+        <p:pic>
+          <p:nvPicPr>
+            <p:cNvPr id="8" name="Picture 7"/>
+            <p:cNvPicPr>
+              <a:picLocks noChangeAspect="1"/>
+            </p:cNvPicPr>
+            <p:nvPr/>
+          </p:nvPicPr>
+          <p:blipFill>
+            <a:blip r:embed="rId4"/>
+            <a:stretch>
+              <a:fillRect/>
+            </a:stretch>
+          </p:blipFill>
+          <p:spPr>
+            <a:xfrm>
+              <a:off x="757237" y="571500"/>
+              <a:ext cx="7648575" cy="2800350"/>
+            </a:xfrm>
+            <a:prstGeom prst="rect">
+              <a:avLst/>
+            </a:prstGeom>
+          </p:spPr>
+        </p:pic>
+      </p:grpSp>
+    </p:spTree>
+    <p:extLst>
+      <p:ext uri="{BB962C8B-B14F-4D97-AF65-F5344CB8AC3E}">
+        <p14:creationId xmlns:p14="http://schemas.microsoft.com/office/powerpoint/2010/main" val="3407351481"/>
+      </p:ext>
+    </p:extLst>
+  </p:cSld>
+  <p:clrMapOvr>
+    <a:masterClrMapping/>
+  </p:clrMapOvr>
+</p:sld>
+</file>
+
+<file path=ppt/slides/slide14.xml><?xml version="1.0" encoding="utf-8"?>
+<p:sld xmlns:a="http://schemas.openxmlformats.org/drawingml/2006/main" xmlns:r="http://schemas.openxmlformats.org/officeDocument/2006/relationships" xmlns:p="http://schemas.openxmlformats.org/presentationml/2006/main">
+  <p:cSld>
+    <p:spTree>
+      <p:nvGrpSpPr>
+        <p:cNvPr id="1" name=""/>
+        <p:cNvGrpSpPr/>
+        <p:nvPr/>
+      </p:nvGrpSpPr>
+      <p:grpSpPr>
+        <a:xfrm>
+          <a:off x="0" y="0"/>
+          <a:ext cx="0" cy="0"/>
+          <a:chOff x="0" y="0"/>
+          <a:chExt cx="0" cy="0"/>
+        </a:xfrm>
+      </p:grpSpPr>
+      <p:pic>
+        <p:nvPicPr>
+          <p:cNvPr id="5" name="Picture 4"/>
+          <p:cNvPicPr>
+            <a:picLocks noChangeAspect="1"/>
+          </p:cNvPicPr>
+          <p:nvPr/>
+        </p:nvPicPr>
+        <p:blipFill>
+          <a:blip r:embed="rId2">
+            <a:extLst>
+              <a:ext uri="{28A0092B-C50C-407E-A947-70E740481C1C}">
+                <a14:useLocalDpi xmlns:a14="http://schemas.microsoft.com/office/drawing/2010/main" val="0"/>
+              </a:ext>
+            </a:extLst>
+          </a:blip>
+          <a:stretch>
+            <a:fillRect/>
+          </a:stretch>
+        </p:blipFill>
+        <p:spPr>
+          <a:xfrm>
+            <a:off x="0" y="189992"/>
+            <a:ext cx="12192000" cy="6478016"/>
+          </a:xfrm>
+          <a:prstGeom prst="rect">
+            <a:avLst/>
+          </a:prstGeom>
+        </p:spPr>
+      </p:pic>
+      <p:grpSp>
+        <p:nvGrpSpPr>
+          <p:cNvPr id="6" name="Group 5"/>
+          <p:cNvGrpSpPr/>
+          <p:nvPr/>
+        </p:nvGrpSpPr>
+        <p:grpSpPr>
+          <a:xfrm flipV="1">
+            <a:off x="1466849" y="1609723"/>
+            <a:ext cx="9591676" cy="3724275"/>
+            <a:chOff x="895350" y="404812"/>
+            <a:chExt cx="7658100" cy="3057525"/>
+          </a:xfrm>
+        </p:grpSpPr>
+        <p:pic>
+          <p:nvPicPr>
+            <p:cNvPr id="7" name="Picture 6"/>
+            <p:cNvPicPr>
+              <a:picLocks noChangeAspect="1"/>
+            </p:cNvPicPr>
+            <p:nvPr/>
+          </p:nvPicPr>
+          <p:blipFill>
+            <a:blip r:embed="rId3"/>
+            <a:stretch>
+              <a:fillRect/>
+            </a:stretch>
+          </p:blipFill>
+          <p:spPr>
+            <a:xfrm>
+              <a:off x="895350" y="404812"/>
+              <a:ext cx="7658100" cy="3057525"/>
+            </a:xfrm>
+            <a:prstGeom prst="rect">
+              <a:avLst/>
+            </a:prstGeom>
+          </p:spPr>
+        </p:pic>
+        <p:pic>
+          <p:nvPicPr>
+            <p:cNvPr id="8" name="Picture 7"/>
+            <p:cNvPicPr>
+              <a:picLocks noChangeAspect="1"/>
+            </p:cNvPicPr>
+            <p:nvPr/>
+          </p:nvPicPr>
+          <p:blipFill>
+            <a:blip r:embed="rId4"/>
+            <a:stretch>
+              <a:fillRect/>
+            </a:stretch>
+          </p:blipFill>
+          <p:spPr>
+            <a:xfrm>
+              <a:off x="895350" y="404812"/>
+              <a:ext cx="7658100" cy="3057525"/>
+            </a:xfrm>
+            <a:prstGeom prst="rect">
+              <a:avLst/>
+            </a:prstGeom>
+          </p:spPr>
+        </p:pic>
+      </p:grpSp>
+    </p:spTree>
+    <p:extLst>
+      <p:ext uri="{BB962C8B-B14F-4D97-AF65-F5344CB8AC3E}">
+        <p14:creationId xmlns:p14="http://schemas.microsoft.com/office/powerpoint/2010/main" val="3280606219"/>
+      </p:ext>
+    </p:extLst>
+  </p:cSld>
+  <p:clrMapOvr>
+    <a:masterClrMapping/>
+  </p:clrMapOvr>
+</p:sld>
+</file>
+
+<file path=ppt/slides/slide15.xml><?xml version="1.0" encoding="utf-8"?>
+<p:sld xmlns:a="http://schemas.openxmlformats.org/drawingml/2006/main" xmlns:r="http://schemas.openxmlformats.org/officeDocument/2006/relationships" xmlns:p="http://schemas.openxmlformats.org/presentationml/2006/main">
+  <p:cSld>
+    <p:spTree>
+      <p:nvGrpSpPr>
+        <p:cNvPr id="1" name=""/>
+        <p:cNvGrpSpPr/>
+        <p:nvPr/>
+      </p:nvGrpSpPr>
+      <p:grpSpPr>
+        <a:xfrm>
+          <a:off x="0" y="0"/>
+          <a:ext cx="0" cy="0"/>
+          <a:chOff x="0" y="0"/>
+          <a:chExt cx="0" cy="0"/>
+        </a:xfrm>
+      </p:grpSpPr>
+      <p:pic>
+        <p:nvPicPr>
+          <p:cNvPr id="5" name="Picture 4"/>
+          <p:cNvPicPr>
+            <a:picLocks noChangeAspect="1"/>
+          </p:cNvPicPr>
+          <p:nvPr/>
+        </p:nvPicPr>
+        <p:blipFill>
+          <a:blip r:embed="rId2">
+            <a:extLst>
+              <a:ext uri="{28A0092B-C50C-407E-A947-70E740481C1C}">
+                <a14:useLocalDpi xmlns:a14="http://schemas.microsoft.com/office/drawing/2010/main" val="0"/>
+              </a:ext>
+            </a:extLst>
+          </a:blip>
+          <a:stretch>
+            <a:fillRect/>
+          </a:stretch>
+        </p:blipFill>
+        <p:spPr>
+          <a:xfrm>
+            <a:off x="0" y="189992"/>
+            <a:ext cx="12192000" cy="6478016"/>
+          </a:xfrm>
+          <a:prstGeom prst="rect">
+            <a:avLst/>
+          </a:prstGeom>
+        </p:spPr>
+      </p:pic>
+      <p:grpSp>
+        <p:nvGrpSpPr>
+          <p:cNvPr id="6" name="Group 5"/>
+          <p:cNvGrpSpPr/>
+          <p:nvPr/>
+        </p:nvGrpSpPr>
+        <p:grpSpPr>
+          <a:xfrm>
+            <a:off x="1419225" y="1476375"/>
+            <a:ext cx="9686925" cy="3362325"/>
+            <a:chOff x="261936" y="195262"/>
+            <a:chExt cx="7743826" cy="2733675"/>
+          </a:xfrm>
+        </p:grpSpPr>
+        <p:pic>
+          <p:nvPicPr>
+            <p:cNvPr id="7" name="Picture 6"/>
+            <p:cNvPicPr>
+              <a:picLocks noChangeAspect="1"/>
+            </p:cNvPicPr>
+            <p:nvPr/>
+          </p:nvPicPr>
+          <p:blipFill>
+            <a:blip r:embed="rId3"/>
+            <a:stretch>
+              <a:fillRect/>
+            </a:stretch>
+          </p:blipFill>
+          <p:spPr>
+            <a:xfrm>
+              <a:off x="261937" y="195262"/>
+              <a:ext cx="7743825" cy="2733675"/>
+            </a:xfrm>
+            <a:prstGeom prst="rect">
+              <a:avLst/>
+            </a:prstGeom>
+          </p:spPr>
+        </p:pic>
+        <p:pic>
+          <p:nvPicPr>
+            <p:cNvPr id="8" name="Picture 7"/>
+            <p:cNvPicPr>
+              <a:picLocks noChangeAspect="1"/>
+            </p:cNvPicPr>
+            <p:nvPr/>
+          </p:nvPicPr>
+          <p:blipFill>
+            <a:blip r:embed="rId4"/>
+            <a:stretch>
+              <a:fillRect/>
+            </a:stretch>
+          </p:blipFill>
+          <p:spPr>
+            <a:xfrm>
+              <a:off x="261936" y="195262"/>
+              <a:ext cx="7743825" cy="2733675"/>
+            </a:xfrm>
+            <a:prstGeom prst="rect">
+              <a:avLst/>
+            </a:prstGeom>
+          </p:spPr>
+        </p:pic>
+      </p:grpSp>
+    </p:spTree>
+    <p:extLst>
+      <p:ext uri="{BB962C8B-B14F-4D97-AF65-F5344CB8AC3E}">
+        <p14:creationId xmlns:p14="http://schemas.microsoft.com/office/powerpoint/2010/main" val="3523812053"/>
+      </p:ext>
+    </p:extLst>
+  </p:cSld>
+  <p:clrMapOvr>
+    <a:masterClrMapping/>
+  </p:clrMapOvr>
+</p:sld>
+</file>
+
+<file path=ppt/slides/slide16.xml><?xml version="1.0" encoding="utf-8"?>
+<p:sld xmlns:a="http://schemas.openxmlformats.org/drawingml/2006/main" xmlns:r="http://schemas.openxmlformats.org/officeDocument/2006/relationships" xmlns:p="http://schemas.openxmlformats.org/presentationml/2006/main">
+  <p:cSld>
+    <p:spTree>
+      <p:nvGrpSpPr>
+        <p:cNvPr id="1" name=""/>
+        <p:cNvGrpSpPr/>
+        <p:nvPr/>
+      </p:nvGrpSpPr>
+      <p:grpSpPr>
+        <a:xfrm>
+          <a:off x="0" y="0"/>
+          <a:ext cx="0" cy="0"/>
+          <a:chOff x="0" y="0"/>
+          <a:chExt cx="0" cy="0"/>
+        </a:xfrm>
+      </p:grpSpPr>
+      <p:pic>
+        <p:nvPicPr>
+          <p:cNvPr id="5" name="Picture 4"/>
+          <p:cNvPicPr>
+            <a:picLocks noChangeAspect="1"/>
+          </p:cNvPicPr>
+          <p:nvPr/>
+        </p:nvPicPr>
+        <p:blipFill>
+          <a:blip r:embed="rId2">
+            <a:extLst>
+              <a:ext uri="{28A0092B-C50C-407E-A947-70E740481C1C}">
+                <a14:useLocalDpi xmlns:a14="http://schemas.microsoft.com/office/drawing/2010/main" val="0"/>
+              </a:ext>
+            </a:extLst>
+          </a:blip>
+          <a:stretch>
+            <a:fillRect/>
+          </a:stretch>
+        </p:blipFill>
+        <p:spPr>
+          <a:xfrm>
+            <a:off x="0" y="189992"/>
+            <a:ext cx="12192000" cy="6478016"/>
+          </a:xfrm>
+          <a:prstGeom prst="rect">
+            <a:avLst/>
+          </a:prstGeom>
+        </p:spPr>
+      </p:pic>
+      <p:grpSp>
+        <p:nvGrpSpPr>
+          <p:cNvPr id="6" name="Group 5"/>
+          <p:cNvGrpSpPr/>
+          <p:nvPr/>
+        </p:nvGrpSpPr>
+        <p:grpSpPr>
+          <a:xfrm>
+            <a:off x="1409700" y="1333500"/>
+            <a:ext cx="9696450" cy="4019550"/>
+            <a:chOff x="371475" y="157161"/>
+            <a:chExt cx="7772400" cy="3419476"/>
+          </a:xfrm>
+        </p:grpSpPr>
+        <p:pic>
+          <p:nvPicPr>
+            <p:cNvPr id="7" name="Picture 6"/>
+            <p:cNvPicPr>
+              <a:picLocks noChangeAspect="1"/>
+            </p:cNvPicPr>
+            <p:nvPr/>
+          </p:nvPicPr>
+          <p:blipFill>
+            <a:blip r:embed="rId3"/>
+            <a:stretch>
+              <a:fillRect/>
+            </a:stretch>
+          </p:blipFill>
+          <p:spPr>
+            <a:xfrm>
+              <a:off x="371475" y="157162"/>
+              <a:ext cx="7772400" cy="3419475"/>
+            </a:xfrm>
+            <a:prstGeom prst="rect">
+              <a:avLst/>
+            </a:prstGeom>
+          </p:spPr>
+        </p:pic>
+        <p:pic>
+          <p:nvPicPr>
+            <p:cNvPr id="8" name="Picture 7"/>
+            <p:cNvPicPr>
+              <a:picLocks noChangeAspect="1"/>
+            </p:cNvPicPr>
+            <p:nvPr/>
+          </p:nvPicPr>
+          <p:blipFill>
+            <a:blip r:embed="rId4"/>
+            <a:stretch>
+              <a:fillRect/>
+            </a:stretch>
+          </p:blipFill>
+          <p:spPr>
+            <a:xfrm>
+              <a:off x="371475" y="157161"/>
+              <a:ext cx="7772400" cy="3419475"/>
+            </a:xfrm>
+            <a:prstGeom prst="rect">
+              <a:avLst/>
+            </a:prstGeom>
+          </p:spPr>
+        </p:pic>
+      </p:grpSp>
+    </p:spTree>
+    <p:extLst>
+      <p:ext uri="{BB962C8B-B14F-4D97-AF65-F5344CB8AC3E}">
+        <p14:creationId xmlns:p14="http://schemas.microsoft.com/office/powerpoint/2010/main" val="2144162688"/>
+      </p:ext>
+    </p:extLst>
+  </p:cSld>
+  <p:clrMapOvr>
+    <a:masterClrMapping/>
+  </p:clrMapOvr>
+</p:sld>
+</file>
+
 <file path=ppt/slides/slide2.xml><?xml version="1.0" encoding="utf-8"?>
 <p:sld xmlns:a="http://schemas.openxmlformats.org/drawingml/2006/main" xmlns:r="http://schemas.openxmlformats.org/officeDocument/2006/relationships" xmlns:p="http://schemas.openxmlformats.org/presentationml/2006/main">
   <p:cSld>
@@ -3662,6 +4531,90 @@
     <p:extLst>
       <p:ext uri="{BB962C8B-B14F-4D97-AF65-F5344CB8AC3E}">
         <p14:creationId xmlns:p14="http://schemas.microsoft.com/office/powerpoint/2010/main" val="1083302895"/>
+      </p:ext>
+    </p:extLst>
+  </p:cSld>
+  <p:clrMapOvr>
+    <a:masterClrMapping/>
+  </p:clrMapOvr>
+</p:sld>
+</file>
+
+<file path=ppt/slides/slide9.xml><?xml version="1.0" encoding="utf-8"?>
+<p:sld xmlns:a="http://schemas.openxmlformats.org/drawingml/2006/main" xmlns:r="http://schemas.openxmlformats.org/officeDocument/2006/relationships" xmlns:p="http://schemas.openxmlformats.org/presentationml/2006/main">
+  <p:cSld>
+    <p:spTree>
+      <p:nvGrpSpPr>
+        <p:cNvPr id="1" name=""/>
+        <p:cNvGrpSpPr/>
+        <p:nvPr/>
+      </p:nvGrpSpPr>
+      <p:grpSpPr>
+        <a:xfrm>
+          <a:off x="0" y="0"/>
+          <a:ext cx="0" cy="0"/>
+          <a:chOff x="0" y="0"/>
+          <a:chExt cx="0" cy="0"/>
+        </a:xfrm>
+      </p:grpSpPr>
+      <p:pic>
+        <p:nvPicPr>
+          <p:cNvPr id="7" name="Picture 6"/>
+          <p:cNvPicPr>
+            <a:picLocks noChangeAspect="1"/>
+          </p:cNvPicPr>
+          <p:nvPr/>
+        </p:nvPicPr>
+        <p:blipFill>
+          <a:blip r:embed="rId2">
+            <a:extLst>
+              <a:ext uri="{28A0092B-C50C-407E-A947-70E740481C1C}">
+                <a14:useLocalDpi xmlns:a14="http://schemas.microsoft.com/office/drawing/2010/main" val="0"/>
+              </a:ext>
+            </a:extLst>
+          </a:blip>
+          <a:stretch>
+            <a:fillRect/>
+          </a:stretch>
+        </p:blipFill>
+        <p:spPr>
+          <a:xfrm>
+            <a:off x="0" y="189992"/>
+            <a:ext cx="12192000" cy="6478016"/>
+          </a:xfrm>
+          <a:prstGeom prst="rect">
+            <a:avLst/>
+          </a:prstGeom>
+        </p:spPr>
+      </p:pic>
+      <p:pic>
+        <p:nvPicPr>
+          <p:cNvPr id="4" name="Picture 3"/>
+          <p:cNvPicPr>
+            <a:picLocks noChangeAspect="1"/>
+          </p:cNvPicPr>
+          <p:nvPr/>
+        </p:nvPicPr>
+        <p:blipFill>
+          <a:blip r:embed="rId3"/>
+          <a:stretch>
+            <a:fillRect/>
+          </a:stretch>
+        </p:blipFill>
+        <p:spPr>
+          <a:xfrm flipV="1">
+            <a:off x="1490662" y="1828799"/>
+            <a:ext cx="9577388" cy="2338385"/>
+          </a:xfrm>
+          <a:prstGeom prst="rect">
+            <a:avLst/>
+          </a:prstGeom>
+        </p:spPr>
+      </p:pic>
+    </p:spTree>
+    <p:extLst>
+      <p:ext uri="{BB962C8B-B14F-4D97-AF65-F5344CB8AC3E}">
+        <p14:creationId xmlns:p14="http://schemas.microsoft.com/office/powerpoint/2010/main" val="3907444154"/>
       </p:ext>
     </p:extLst>
   </p:cSld>
